--- a/Olah_NS2021.pptx
+++ b/Olah_NS2021.pptx
@@ -13,7 +13,7 @@
     <p:sldId id="294" r:id="rId4"/>
     <p:sldId id="287" r:id="rId5"/>
     <p:sldId id="279" r:id="rId6"/>
-    <p:sldId id="288" r:id="rId7"/>
+    <p:sldId id="297" r:id="rId7"/>
     <p:sldId id="292" r:id="rId8"/>
     <p:sldId id="291" r:id="rId9"/>
     <p:sldId id="280" r:id="rId10"/>
@@ -200,7 +200,7 @@
             </a:lvl1pPr>
           </a:lstStyle>
           <a:p>
-            <a:endParaRPr lang="sk-SK"/>
+            <a:endParaRPr lang="sk-SK" dirty="0"/>
           </a:p>
         </p:txBody>
       </p:sp>
@@ -233,9 +233,9 @@
           <a:p>
             <a:fld id="{91E9EF67-C0E4-4FA3-A7CD-B79DDA066A95}" type="datetimeFigureOut">
               <a:rPr lang="sk-SK" smtClean="0"/>
-              <a:t>6. 5. 2021</a:t>
+              <a:t>7. 5. 2021</a:t>
             </a:fld>
-            <a:endParaRPr lang="sk-SK"/>
+            <a:endParaRPr lang="sk-SK" dirty="0"/>
           </a:p>
         </p:txBody>
       </p:sp>
@@ -268,7 +268,7 @@
           <a:bodyPr vert="horz" lIns="91440" tIns="45720" rIns="91440" bIns="45720" rtlCol="0" anchor="ctr"/>
           <a:lstStyle/>
           <a:p>
-            <a:endParaRPr lang="sk-SK"/>
+            <a:endParaRPr lang="sk-SK" dirty="0"/>
           </a:p>
         </p:txBody>
       </p:sp>
@@ -358,7 +358,7 @@
             </a:lvl1pPr>
           </a:lstStyle>
           <a:p>
-            <a:endParaRPr lang="sk-SK"/>
+            <a:endParaRPr lang="sk-SK" dirty="0"/>
           </a:p>
         </p:txBody>
       </p:sp>
@@ -393,7 +393,7 @@
               <a:rPr lang="sk-SK" smtClean="0"/>
               <a:t>‹#›</a:t>
             </a:fld>
-            <a:endParaRPr lang="sk-SK"/>
+            <a:endParaRPr lang="sk-SK" dirty="0"/>
           </a:p>
         </p:txBody>
       </p:sp>
@@ -567,7 +567,7 @@
               <a:rPr lang="sk-SK" smtClean="0"/>
               <a:t>1</a:t>
             </a:fld>
-            <a:endParaRPr lang="sk-SK"/>
+            <a:endParaRPr lang="sk-SK" dirty="0"/>
           </a:p>
         </p:txBody>
       </p:sp>
@@ -1329,9 +1329,9 @@
           <a:p>
             <a:fld id="{D6C7D9BD-896D-49E2-9920-F6377239FA64}" type="datetime1">
               <a:rPr lang="sk-SK" smtClean="0"/>
-              <a:t>6. 5. 2021</a:t>
+              <a:t>7. 5. 2021</a:t>
             </a:fld>
-            <a:endParaRPr lang="sk-SK"/>
+            <a:endParaRPr lang="sk-SK" dirty="0"/>
           </a:p>
         </p:txBody>
       </p:sp>
@@ -1350,7 +1350,7 @@
           <a:bodyPr/>
           <a:lstStyle/>
           <a:p>
-            <a:endParaRPr lang="sk-SK"/>
+            <a:endParaRPr lang="sk-SK" dirty="0"/>
           </a:p>
         </p:txBody>
       </p:sp>
@@ -1373,7 +1373,7 @@
               <a:rPr lang="sk-SK" smtClean="0"/>
               <a:t>‹#›</a:t>
             </a:fld>
-            <a:endParaRPr lang="sk-SK"/>
+            <a:endParaRPr lang="sk-SK" dirty="0"/>
           </a:p>
         </p:txBody>
       </p:sp>
@@ -1580,9 +1580,9 @@
           <a:p>
             <a:fld id="{C11F9B83-9259-4057-A324-AF0421AAB759}" type="datetime1">
               <a:rPr lang="sk-SK" smtClean="0"/>
-              <a:t>6. 5. 2021</a:t>
+              <a:t>7. 5. 2021</a:t>
             </a:fld>
-            <a:endParaRPr lang="sk-SK"/>
+            <a:endParaRPr lang="sk-SK" dirty="0"/>
           </a:p>
         </p:txBody>
       </p:sp>
@@ -1601,7 +1601,7 @@
           <a:bodyPr/>
           <a:lstStyle/>
           <a:p>
-            <a:endParaRPr lang="sk-SK"/>
+            <a:endParaRPr lang="sk-SK" dirty="0"/>
           </a:p>
         </p:txBody>
       </p:sp>
@@ -1624,7 +1624,7 @@
               <a:rPr lang="sk-SK" smtClean="0"/>
               <a:t>‹#›</a:t>
             </a:fld>
-            <a:endParaRPr lang="sk-SK"/>
+            <a:endParaRPr lang="sk-SK" dirty="0"/>
           </a:p>
         </p:txBody>
       </p:sp>
@@ -1894,9 +1894,9 @@
           <a:p>
             <a:fld id="{EE3C5453-A96E-42CE-A733-CB83EA1F9970}" type="datetime1">
               <a:rPr lang="sk-SK" smtClean="0"/>
-              <a:t>6. 5. 2021</a:t>
+              <a:t>7. 5. 2021</a:t>
             </a:fld>
-            <a:endParaRPr lang="sk-SK"/>
+            <a:endParaRPr lang="sk-SK" dirty="0"/>
           </a:p>
         </p:txBody>
       </p:sp>
@@ -1915,7 +1915,7 @@
           <a:bodyPr/>
           <a:lstStyle/>
           <a:p>
-            <a:endParaRPr lang="sk-SK"/>
+            <a:endParaRPr lang="sk-SK" dirty="0"/>
           </a:p>
         </p:txBody>
       </p:sp>
@@ -1938,7 +1938,7 @@
               <a:rPr lang="sk-SK" smtClean="0"/>
               <a:t>‹#›</a:t>
             </a:fld>
-            <a:endParaRPr lang="sk-SK"/>
+            <a:endParaRPr lang="sk-SK" dirty="0"/>
           </a:p>
         </p:txBody>
       </p:sp>
@@ -2227,9 +2227,9 @@
           <a:p>
             <a:fld id="{1A4F4E0E-9876-402C-B92C-17CF19C633F6}" type="datetime1">
               <a:rPr lang="sk-SK" smtClean="0"/>
-              <a:t>6. 5. 2021</a:t>
+              <a:t>7. 5. 2021</a:t>
             </a:fld>
-            <a:endParaRPr lang="sk-SK"/>
+            <a:endParaRPr lang="sk-SK" dirty="0"/>
           </a:p>
         </p:txBody>
       </p:sp>
@@ -2248,7 +2248,7 @@
           <a:bodyPr/>
           <a:lstStyle/>
           <a:p>
-            <a:endParaRPr lang="sk-SK"/>
+            <a:endParaRPr lang="sk-SK" dirty="0"/>
           </a:p>
         </p:txBody>
       </p:sp>
@@ -2271,7 +2271,7 @@
               <a:rPr lang="sk-SK" smtClean="0"/>
               <a:t>‹#›</a:t>
             </a:fld>
-            <a:endParaRPr lang="sk-SK"/>
+            <a:endParaRPr lang="sk-SK" dirty="0"/>
           </a:p>
         </p:txBody>
       </p:sp>
@@ -2541,9 +2541,9 @@
           <a:p>
             <a:fld id="{2848473D-A10C-40E1-A67D-C16445C0E205}" type="datetime1">
               <a:rPr lang="sk-SK" smtClean="0"/>
-              <a:t>6. 5. 2021</a:t>
+              <a:t>7. 5. 2021</a:t>
             </a:fld>
-            <a:endParaRPr lang="sk-SK"/>
+            <a:endParaRPr lang="sk-SK" dirty="0"/>
           </a:p>
         </p:txBody>
       </p:sp>
@@ -2562,7 +2562,7 @@
           <a:bodyPr/>
           <a:lstStyle/>
           <a:p>
-            <a:endParaRPr lang="sk-SK"/>
+            <a:endParaRPr lang="sk-SK" dirty="0"/>
           </a:p>
         </p:txBody>
       </p:sp>
@@ -2585,7 +2585,7 @@
               <a:rPr lang="sk-SK" smtClean="0"/>
               <a:t>‹#›</a:t>
             </a:fld>
-            <a:endParaRPr lang="sk-SK"/>
+            <a:endParaRPr lang="sk-SK" dirty="0"/>
           </a:p>
         </p:txBody>
       </p:sp>
@@ -2934,9 +2934,9 @@
           <a:p>
             <a:fld id="{A81D947F-3B92-41C5-9150-9504C615F26C}" type="datetime1">
               <a:rPr lang="sk-SK" smtClean="0"/>
-              <a:t>6. 5. 2021</a:t>
+              <a:t>7. 5. 2021</a:t>
             </a:fld>
-            <a:endParaRPr lang="sk-SK"/>
+            <a:endParaRPr lang="sk-SK" dirty="0"/>
           </a:p>
         </p:txBody>
       </p:sp>
@@ -2955,7 +2955,7 @@
           <a:bodyPr/>
           <a:lstStyle/>
           <a:p>
-            <a:endParaRPr lang="sk-SK"/>
+            <a:endParaRPr lang="sk-SK" dirty="0"/>
           </a:p>
         </p:txBody>
       </p:sp>
@@ -2978,7 +2978,7 @@
               <a:rPr lang="sk-SK" smtClean="0"/>
               <a:t>‹#›</a:t>
             </a:fld>
-            <a:endParaRPr lang="sk-SK"/>
+            <a:endParaRPr lang="sk-SK" dirty="0"/>
           </a:p>
         </p:txBody>
       </p:sp>
@@ -3104,9 +3104,9 @@
           <a:p>
             <a:fld id="{0F91A79D-B798-401B-901B-94809AB5C5C2}" type="datetime1">
               <a:rPr lang="sk-SK" smtClean="0"/>
-              <a:t>6. 5. 2021</a:t>
+              <a:t>7. 5. 2021</a:t>
             </a:fld>
-            <a:endParaRPr lang="sk-SK"/>
+            <a:endParaRPr lang="sk-SK" dirty="0"/>
           </a:p>
         </p:txBody>
       </p:sp>
@@ -3125,7 +3125,7 @@
           <a:bodyPr/>
           <a:lstStyle/>
           <a:p>
-            <a:endParaRPr lang="sk-SK"/>
+            <a:endParaRPr lang="sk-SK" dirty="0"/>
           </a:p>
         </p:txBody>
       </p:sp>
@@ -3148,7 +3148,7 @@
               <a:rPr lang="sk-SK" smtClean="0"/>
               <a:t>‹#›</a:t>
             </a:fld>
-            <a:endParaRPr lang="sk-SK"/>
+            <a:endParaRPr lang="sk-SK" dirty="0"/>
           </a:p>
         </p:txBody>
       </p:sp>
@@ -3284,9 +3284,9 @@
           <a:p>
             <a:fld id="{1A6EFD08-716A-447D-B73E-C3C60AB1E719}" type="datetime1">
               <a:rPr lang="sk-SK" smtClean="0"/>
-              <a:t>6. 5. 2021</a:t>
+              <a:t>7. 5. 2021</a:t>
             </a:fld>
-            <a:endParaRPr lang="sk-SK"/>
+            <a:endParaRPr lang="sk-SK" dirty="0"/>
           </a:p>
         </p:txBody>
       </p:sp>
@@ -3305,7 +3305,7 @@
           <a:bodyPr/>
           <a:lstStyle/>
           <a:p>
-            <a:endParaRPr lang="sk-SK"/>
+            <a:endParaRPr lang="sk-SK" dirty="0"/>
           </a:p>
         </p:txBody>
       </p:sp>
@@ -3328,7 +3328,7 @@
               <a:rPr lang="sk-SK" smtClean="0"/>
               <a:t>‹#›</a:t>
             </a:fld>
-            <a:endParaRPr lang="sk-SK"/>
+            <a:endParaRPr lang="sk-SK" dirty="0"/>
           </a:p>
         </p:txBody>
       </p:sp>
@@ -3454,9 +3454,9 @@
           <a:p>
             <a:fld id="{F945BAB1-AC1B-4BB9-8E17-045C0034B725}" type="datetime1">
               <a:rPr lang="sk-SK" smtClean="0"/>
-              <a:t>6. 5. 2021</a:t>
+              <a:t>7. 5. 2021</a:t>
             </a:fld>
-            <a:endParaRPr lang="sk-SK"/>
+            <a:endParaRPr lang="sk-SK" dirty="0"/>
           </a:p>
         </p:txBody>
       </p:sp>
@@ -3475,7 +3475,7 @@
           <a:bodyPr/>
           <a:lstStyle/>
           <a:p>
-            <a:endParaRPr lang="sk-SK"/>
+            <a:endParaRPr lang="sk-SK" dirty="0"/>
           </a:p>
         </p:txBody>
       </p:sp>
@@ -3498,7 +3498,7 @@
               <a:rPr lang="sk-SK" smtClean="0"/>
               <a:t>‹#›</a:t>
             </a:fld>
-            <a:endParaRPr lang="sk-SK"/>
+            <a:endParaRPr lang="sk-SK" dirty="0"/>
           </a:p>
         </p:txBody>
       </p:sp>
@@ -3701,9 +3701,9 @@
           <a:p>
             <a:fld id="{3AE1D14C-73DC-42EC-9B31-2C44EA49EB0F}" type="datetime1">
               <a:rPr lang="sk-SK" smtClean="0"/>
-              <a:t>6. 5. 2021</a:t>
+              <a:t>7. 5. 2021</a:t>
             </a:fld>
-            <a:endParaRPr lang="sk-SK"/>
+            <a:endParaRPr lang="sk-SK" dirty="0"/>
           </a:p>
         </p:txBody>
       </p:sp>
@@ -3722,7 +3722,7 @@
           <a:bodyPr/>
           <a:lstStyle/>
           <a:p>
-            <a:endParaRPr lang="sk-SK"/>
+            <a:endParaRPr lang="sk-SK" dirty="0"/>
           </a:p>
         </p:txBody>
       </p:sp>
@@ -3745,7 +3745,7 @@
               <a:rPr lang="sk-SK" smtClean="0"/>
               <a:t>‹#›</a:t>
             </a:fld>
-            <a:endParaRPr lang="sk-SK"/>
+            <a:endParaRPr lang="sk-SK" dirty="0"/>
           </a:p>
         </p:txBody>
       </p:sp>
@@ -3933,9 +3933,9 @@
           <a:p>
             <a:fld id="{0FB35AE9-0F98-4D61-B171-26D9DFA8CA4E}" type="datetime1">
               <a:rPr lang="sk-SK" smtClean="0"/>
-              <a:t>6. 5. 2021</a:t>
+              <a:t>7. 5. 2021</a:t>
             </a:fld>
-            <a:endParaRPr lang="sk-SK"/>
+            <a:endParaRPr lang="sk-SK" dirty="0"/>
           </a:p>
         </p:txBody>
       </p:sp>
@@ -3954,7 +3954,7 @@
           <a:bodyPr/>
           <a:lstStyle/>
           <a:p>
-            <a:endParaRPr lang="sk-SK"/>
+            <a:endParaRPr lang="sk-SK" dirty="0"/>
           </a:p>
         </p:txBody>
       </p:sp>
@@ -3977,7 +3977,7 @@
               <a:rPr lang="sk-SK" smtClean="0"/>
               <a:t>‹#›</a:t>
             </a:fld>
-            <a:endParaRPr lang="sk-SK"/>
+            <a:endParaRPr lang="sk-SK" dirty="0"/>
           </a:p>
         </p:txBody>
       </p:sp>
@@ -4307,9 +4307,9 @@
           <a:p>
             <a:fld id="{98AFAD4F-EC34-41B9-9FB9-A36E3133E65B}" type="datetime1">
               <a:rPr lang="sk-SK" smtClean="0"/>
-              <a:t>6. 5. 2021</a:t>
+              <a:t>7. 5. 2021</a:t>
             </a:fld>
-            <a:endParaRPr lang="sk-SK"/>
+            <a:endParaRPr lang="sk-SK" dirty="0"/>
           </a:p>
         </p:txBody>
       </p:sp>
@@ -4328,7 +4328,7 @@
           <a:bodyPr/>
           <a:lstStyle/>
           <a:p>
-            <a:endParaRPr lang="sk-SK"/>
+            <a:endParaRPr lang="sk-SK" dirty="0"/>
           </a:p>
         </p:txBody>
       </p:sp>
@@ -4351,7 +4351,7 @@
               <a:rPr lang="sk-SK" smtClean="0"/>
               <a:t>‹#›</a:t>
             </a:fld>
-            <a:endParaRPr lang="sk-SK"/>
+            <a:endParaRPr lang="sk-SK" dirty="0"/>
           </a:p>
         </p:txBody>
       </p:sp>
@@ -4430,9 +4430,9 @@
           <a:p>
             <a:fld id="{9857DBDB-971C-4166-BDA1-6B1635C2144B}" type="datetime1">
               <a:rPr lang="sk-SK" smtClean="0"/>
-              <a:t>6. 5. 2021</a:t>
+              <a:t>7. 5. 2021</a:t>
             </a:fld>
-            <a:endParaRPr lang="sk-SK"/>
+            <a:endParaRPr lang="sk-SK" dirty="0"/>
           </a:p>
         </p:txBody>
       </p:sp>
@@ -4451,7 +4451,7 @@
           <a:bodyPr/>
           <a:lstStyle/>
           <a:p>
-            <a:endParaRPr lang="sk-SK"/>
+            <a:endParaRPr lang="sk-SK" dirty="0"/>
           </a:p>
         </p:txBody>
       </p:sp>
@@ -4474,7 +4474,7 @@
               <a:rPr lang="sk-SK" smtClean="0"/>
               <a:t>‹#›</a:t>
             </a:fld>
-            <a:endParaRPr lang="sk-SK"/>
+            <a:endParaRPr lang="sk-SK" dirty="0"/>
           </a:p>
         </p:txBody>
       </p:sp>
@@ -4525,9 +4525,9 @@
           <a:p>
             <a:fld id="{A0172E06-4E1C-4B59-962E-69389D7AD373}" type="datetime1">
               <a:rPr lang="sk-SK" smtClean="0"/>
-              <a:t>6. 5. 2021</a:t>
+              <a:t>7. 5. 2021</a:t>
             </a:fld>
-            <a:endParaRPr lang="sk-SK"/>
+            <a:endParaRPr lang="sk-SK" dirty="0"/>
           </a:p>
         </p:txBody>
       </p:sp>
@@ -4546,7 +4546,7 @@
           <a:bodyPr/>
           <a:lstStyle/>
           <a:p>
-            <a:endParaRPr lang="sk-SK"/>
+            <a:endParaRPr lang="sk-SK" dirty="0"/>
           </a:p>
         </p:txBody>
       </p:sp>
@@ -4569,7 +4569,7 @@
               <a:rPr lang="sk-SK" smtClean="0"/>
               <a:t>‹#›</a:t>
             </a:fld>
-            <a:endParaRPr lang="sk-SK"/>
+            <a:endParaRPr lang="sk-SK" dirty="0"/>
           </a:p>
         </p:txBody>
       </p:sp>
@@ -4780,9 +4780,9 @@
           <a:p>
             <a:fld id="{5C05AEA3-D065-4EEC-8C57-0C1CA28ED5D8}" type="datetime1">
               <a:rPr lang="sk-SK" smtClean="0"/>
-              <a:t>6. 5. 2021</a:t>
+              <a:t>7. 5. 2021</a:t>
             </a:fld>
-            <a:endParaRPr lang="sk-SK"/>
+            <a:endParaRPr lang="sk-SK" dirty="0"/>
           </a:p>
         </p:txBody>
       </p:sp>
@@ -4801,7 +4801,7 @@
           <a:bodyPr/>
           <a:lstStyle/>
           <a:p>
-            <a:endParaRPr lang="sk-SK"/>
+            <a:endParaRPr lang="sk-SK" dirty="0"/>
           </a:p>
         </p:txBody>
       </p:sp>
@@ -4824,7 +4824,7 @@
               <a:rPr lang="sk-SK" smtClean="0"/>
               <a:t>‹#›</a:t>
             </a:fld>
-            <a:endParaRPr lang="sk-SK"/>
+            <a:endParaRPr lang="sk-SK" dirty="0"/>
           </a:p>
         </p:txBody>
       </p:sp>
@@ -4952,7 +4952,7 @@
           </a:lstStyle>
           <a:p>
             <a:r>
-              <a:rPr lang="sk-SK"/>
+              <a:rPr lang="sk-SK" dirty="0"/>
               <a:t>Kliknutím na ikonu pridáte obrázok</a:t>
             </a:r>
             <a:endParaRPr lang="en-US" dirty="0"/>
@@ -5041,7 +5041,7 @@
           <a:bodyPr/>
           <a:lstStyle/>
           <a:p>
-            <a:endParaRPr lang="sk-SK"/>
+            <a:endParaRPr lang="sk-SK" dirty="0"/>
           </a:p>
         </p:txBody>
       </p:sp>
@@ -5064,7 +5064,7 @@
               <a:rPr lang="sk-SK" smtClean="0"/>
               <a:t>‹#›</a:t>
             </a:fld>
-            <a:endParaRPr lang="sk-SK"/>
+            <a:endParaRPr lang="sk-SK" dirty="0"/>
           </a:p>
         </p:txBody>
       </p:sp>
@@ -5085,9 +5085,9 @@
           <a:p>
             <a:fld id="{BE7F302F-1712-4998-80D3-DE1446AF8A94}" type="datetime1">
               <a:rPr lang="sk-SK" smtClean="0"/>
-              <a:t>6. 5. 2021</a:t>
+              <a:t>7. 5. 2021</a:t>
             </a:fld>
-            <a:endParaRPr lang="sk-SK"/>
+            <a:endParaRPr lang="sk-SK" dirty="0"/>
           </a:p>
         </p:txBody>
       </p:sp>
@@ -5787,9 +5787,9 @@
           <a:p>
             <a:fld id="{1979DD7A-3FB7-4D80-B352-C267F267D853}" type="datetime1">
               <a:rPr lang="sk-SK" smtClean="0"/>
-              <a:t>6. 5. 2021</a:t>
+              <a:t>7. 5. 2021</a:t>
             </a:fld>
-            <a:endParaRPr lang="sk-SK"/>
+            <a:endParaRPr lang="sk-SK" dirty="0"/>
           </a:p>
         </p:txBody>
       </p:sp>
@@ -5826,7 +5826,7 @@
             </a:lvl1pPr>
           </a:lstStyle>
           <a:p>
-            <a:endParaRPr lang="sk-SK"/>
+            <a:endParaRPr lang="sk-SK" dirty="0"/>
           </a:p>
         </p:txBody>
       </p:sp>
@@ -5865,7 +5865,7 @@
               <a:rPr lang="sk-SK" smtClean="0"/>
               <a:t>‹#›</a:t>
             </a:fld>
-            <a:endParaRPr lang="sk-SK"/>
+            <a:endParaRPr lang="sk-SK" dirty="0"/>
           </a:p>
         </p:txBody>
       </p:sp>
@@ -6541,7 +6541,7 @@
                 <a:latin typeface="Arial" panose="020B0604020202020204" pitchFamily="34" charset="0"/>
                 <a:cs typeface="Arial" panose="020B0604020202020204" pitchFamily="34" charset="0"/>
               </a:rPr>
-              <a:t>Klasifikácia kategórií BMI na základe údajov o ľudskom tele</a:t>
+              <a:t>Klasifikácia a predikcia kategórií BMI na základe údajov o ľudskom tele</a:t>
             </a:r>
             <a:endParaRPr lang="sk-SK" sz="3600" dirty="0"/>
           </a:p>
@@ -6796,27 +6796,7 @@
                 <a:latin typeface="Arial" panose="020B0604020202020204" pitchFamily="34" charset="0"/>
                 <a:cs typeface="Arial" panose="020B0604020202020204" pitchFamily="34" charset="0"/>
               </a:rPr>
-              <a:t>funkcia </a:t>
-            </a:r>
-            <a:r>
-              <a:rPr lang="sk-SK" sz="2500" dirty="0" err="1">
-                <a:solidFill>
-                  <a:schemeClr val="tx1"/>
-                </a:solidFill>
-                <a:latin typeface="Arial" panose="020B0604020202020204" pitchFamily="34" charset="0"/>
-                <a:cs typeface="Arial" panose="020B0604020202020204" pitchFamily="34" charset="0"/>
-              </a:rPr>
-              <a:t>predict_classes</a:t>
-            </a:r>
-            <a:r>
-              <a:rPr lang="sk-SK" sz="2500" dirty="0">
-                <a:solidFill>
-                  <a:schemeClr val="tx1"/>
-                </a:solidFill>
-                <a:latin typeface="Arial" panose="020B0604020202020204" pitchFamily="34" charset="0"/>
-                <a:cs typeface="Arial" panose="020B0604020202020204" pitchFamily="34" charset="0"/>
-              </a:rPr>
-              <a:t>(),</a:t>
+              <a:t>funkcia predict_classes(),</a:t>
             </a:r>
           </a:p>
           <a:p>
@@ -6833,27 +6813,7 @@
                 <a:latin typeface="Arial" panose="020B0604020202020204" pitchFamily="34" charset="0"/>
                 <a:cs typeface="Arial" panose="020B0604020202020204" pitchFamily="34" charset="0"/>
               </a:rPr>
-              <a:t>funkcia </a:t>
-            </a:r>
-            <a:r>
-              <a:rPr lang="sk-SK" sz="2500" dirty="0" err="1">
-                <a:solidFill>
-                  <a:schemeClr val="tx1"/>
-                </a:solidFill>
-                <a:latin typeface="Arial" panose="020B0604020202020204" pitchFamily="34" charset="0"/>
-                <a:cs typeface="Arial" panose="020B0604020202020204" pitchFamily="34" charset="0"/>
-              </a:rPr>
-              <a:t>argmax</a:t>
-            </a:r>
-            <a:r>
-              <a:rPr lang="sk-SK" sz="2500" dirty="0">
-                <a:solidFill>
-                  <a:schemeClr val="tx1"/>
-                </a:solidFill>
-                <a:latin typeface="Arial" panose="020B0604020202020204" pitchFamily="34" charset="0"/>
-                <a:cs typeface="Arial" panose="020B0604020202020204" pitchFamily="34" charset="0"/>
-              </a:rPr>
-              <a:t>(),</a:t>
+              <a:t>funkcia argmax(),</a:t>
             </a:r>
           </a:p>
           <a:p>
@@ -7555,7 +7515,24 @@
                 <a:latin typeface="Arial" panose="020B0604020202020204" pitchFamily="34" charset="0"/>
                 <a:cs typeface="Arial" panose="020B0604020202020204" pitchFamily="34" charset="0"/>
               </a:rPr>
-              <a:t>https://slo.small-business-tracker.com/what-is-keras-deep-neural-network-api-explained-645057.</a:t>
+              <a:t>https://slo.small-business-tracker.com/what-is-keras-deep-neural-network-api-explained-645057,</a:t>
+            </a:r>
+          </a:p>
+          <a:p>
+            <a:pPr marL="0" indent="-432000" algn="just">
+              <a:buClrTx/>
+              <a:buFont typeface="Wingdings" panose="05000000000000000000" pitchFamily="2" charset="2"/>
+              <a:buChar char="§"/>
+            </a:pPr>
+            <a:r>
+              <a:rPr lang="sk-SK" sz="1600" dirty="0">
+                <a:solidFill>
+                  <a:schemeClr val="tx1"/>
+                </a:solidFill>
+                <a:latin typeface="Arial" panose="020B0604020202020204" pitchFamily="34" charset="0"/>
+                <a:cs typeface="Arial" panose="020B0604020202020204" pitchFamily="34" charset="0"/>
+              </a:rPr>
+              <a:t>http://www.cvicte.sk/cvicte-sk/bmi-co-znamena-a-da-sa-mu-verit.</a:t>
             </a:r>
           </a:p>
           <a:p>
@@ -7775,27 +7752,7 @@
                 <a:latin typeface="Arial" panose="020B0604020202020204" pitchFamily="34" charset="0"/>
                 <a:cs typeface="Arial" panose="020B0604020202020204" pitchFamily="34" charset="0"/>
               </a:rPr>
-              <a:t>upraviť </a:t>
-            </a:r>
-            <a:r>
-              <a:rPr lang="sk-SK" sz="2500" dirty="0" err="1">
-                <a:solidFill>
-                  <a:schemeClr val="tx1"/>
-                </a:solidFill>
-                <a:latin typeface="Arial" panose="020B0604020202020204" pitchFamily="34" charset="0"/>
-                <a:cs typeface="Arial" panose="020B0604020202020204" pitchFamily="34" charset="0"/>
-              </a:rPr>
-              <a:t>dataset</a:t>
-            </a:r>
-            <a:r>
-              <a:rPr lang="sk-SK" sz="2500" dirty="0">
-                <a:solidFill>
-                  <a:schemeClr val="tx1"/>
-                </a:solidFill>
-                <a:latin typeface="Arial" panose="020B0604020202020204" pitchFamily="34" charset="0"/>
-                <a:cs typeface="Arial" panose="020B0604020202020204" pitchFamily="34" charset="0"/>
-              </a:rPr>
-              <a:t>,</a:t>
+              <a:t>upraviť dataset,</a:t>
             </a:r>
           </a:p>
           <a:p>
@@ -8032,27 +7989,7 @@
                 <a:latin typeface="Arial" panose="020B0604020202020204" pitchFamily="34" charset="0"/>
                 <a:cs typeface="Arial" panose="020B0604020202020204" pitchFamily="34" charset="0"/>
               </a:rPr>
-              <a:t>body </a:t>
-            </a:r>
-            <a:r>
-              <a:rPr lang="sk-SK" sz="2500" dirty="0" err="1">
-                <a:solidFill>
-                  <a:schemeClr val="tx1"/>
-                </a:solidFill>
-                <a:latin typeface="Arial" panose="020B0604020202020204" pitchFamily="34" charset="0"/>
-                <a:cs typeface="Arial" panose="020B0604020202020204" pitchFamily="34" charset="0"/>
-              </a:rPr>
-              <a:t>mass</a:t>
-            </a:r>
-            <a:r>
-              <a:rPr lang="sk-SK" sz="2500" dirty="0">
-                <a:solidFill>
-                  <a:schemeClr val="tx1"/>
-                </a:solidFill>
-                <a:latin typeface="Arial" panose="020B0604020202020204" pitchFamily="34" charset="0"/>
-                <a:cs typeface="Arial" panose="020B0604020202020204" pitchFamily="34" charset="0"/>
-              </a:rPr>
-              <a:t> index,</a:t>
+              <a:t>body mass index,</a:t>
             </a:r>
           </a:p>
           <a:p>
@@ -8291,17 +8228,7 @@
                 <a:latin typeface="Arial" panose="020B0604020202020204" pitchFamily="34" charset="0"/>
                 <a:cs typeface="Arial" panose="020B0604020202020204" pitchFamily="34" charset="0"/>
               </a:rPr>
-              <a:t>Úprava </a:t>
-            </a:r>
-            <a:r>
-              <a:rPr lang="sk-SK" b="1" dirty="0" err="1">
-                <a:solidFill>
-                  <a:schemeClr val="tx1"/>
-                </a:solidFill>
-                <a:latin typeface="Arial" panose="020B0604020202020204" pitchFamily="34" charset="0"/>
-                <a:cs typeface="Arial" panose="020B0604020202020204" pitchFamily="34" charset="0"/>
-              </a:rPr>
-              <a:t>datasetu</a:t>
+              <a:t>Úprava datasetu</a:t>
             </a:r>
             <a:endParaRPr lang="sk-SK" dirty="0"/>
           </a:p>
@@ -8348,7 +8275,7 @@
                 <a:latin typeface="Arial" panose="020B0604020202020204" pitchFamily="34" charset="0"/>
                 <a:cs typeface="Arial" panose="020B0604020202020204" pitchFamily="34" charset="0"/>
               </a:rPr>
-              <a:t>odstránenie stĺpca „Index“,</a:t>
+              <a:t>dataset zo stránky Kaggle.com,</a:t>
             </a:r>
           </a:p>
           <a:p>
@@ -8365,27 +8292,24 @@
                 <a:latin typeface="Arial" panose="020B0604020202020204" pitchFamily="34" charset="0"/>
                 <a:cs typeface="Arial" panose="020B0604020202020204" pitchFamily="34" charset="0"/>
               </a:rPr>
-              <a:t>pridanie stĺpcov BMI a </a:t>
-            </a:r>
-            <a:r>
-              <a:rPr lang="sk-SK" sz="2500" dirty="0" err="1">
+              <a:t>odstránenie stĺpca „Index“,</a:t>
+            </a:r>
+          </a:p>
+          <a:p>
+            <a:pPr marL="0" indent="-432000">
+              <a:buClrTx/>
+              <a:buFont typeface="Wingdings" panose="05000000000000000000" pitchFamily="2" charset="2"/>
+              <a:buChar char="§"/>
+            </a:pPr>
+            <a:r>
+              <a:rPr lang="sk-SK" sz="2500" dirty="0">
                 <a:solidFill>
                   <a:schemeClr val="tx1"/>
                 </a:solidFill>
                 <a:latin typeface="Arial" panose="020B0604020202020204" pitchFamily="34" charset="0"/>
                 <a:cs typeface="Arial" panose="020B0604020202020204" pitchFamily="34" charset="0"/>
               </a:rPr>
-              <a:t>Category</a:t>
-            </a:r>
-            <a:r>
-              <a:rPr lang="sk-SK" sz="2500" dirty="0">
-                <a:solidFill>
-                  <a:schemeClr val="tx1"/>
-                </a:solidFill>
-                <a:latin typeface="Arial" panose="020B0604020202020204" pitchFamily="34" charset="0"/>
-                <a:cs typeface="Arial" panose="020B0604020202020204" pitchFamily="34" charset="0"/>
-              </a:rPr>
-              <a:t>.</a:t>
+              <a:t>pridanie stĺpcov BMI a Category.</a:t>
             </a:r>
             <a:br>
               <a:rPr lang="sk-SK" sz="2500" dirty="0">
@@ -8519,8 +8443,8 @@
         </p:blipFill>
         <p:spPr>
           <a:xfrm>
-            <a:off x="4975668" y="3163582"/>
-            <a:ext cx="4285178" cy="2398196"/>
+            <a:off x="5813570" y="2229872"/>
+            <a:ext cx="3623444" cy="2027857"/>
           </a:xfrm>
           <a:prstGeom prst="rect">
             <a:avLst/>
@@ -8548,8 +8472,68 @@
         </p:blipFill>
         <p:spPr>
           <a:xfrm>
-            <a:off x="868541" y="3719162"/>
-            <a:ext cx="3915920" cy="2322200"/>
+            <a:off x="1869747" y="4684616"/>
+            <a:ext cx="2903587" cy="1721871"/>
+          </a:xfrm>
+          <a:prstGeom prst="rect">
+            <a:avLst/>
+          </a:prstGeom>
+        </p:spPr>
+      </p:pic>
+      <p:pic>
+        <p:nvPicPr>
+          <p:cNvPr id="10" name="Obrázok 9">
+            <a:extLst>
+              <a:ext uri="{FF2B5EF4-FFF2-40B4-BE49-F238E27FC236}">
+                <a16:creationId xmlns:a16="http://schemas.microsoft.com/office/drawing/2014/main" id="{127B4C8C-5F9F-4769-BD01-A7DA114A7B5B}"/>
+              </a:ext>
+            </a:extLst>
+          </p:cNvPr>
+          <p:cNvPicPr>
+            <a:picLocks noChangeAspect="1"/>
+          </p:cNvPicPr>
+          <p:nvPr/>
+        </p:nvPicPr>
+        <p:blipFill>
+          <a:blip r:embed="rId4"/>
+          <a:stretch>
+            <a:fillRect/>
+          </a:stretch>
+        </p:blipFill>
+        <p:spPr>
+          <a:xfrm>
+            <a:off x="5813570" y="4684616"/>
+            <a:ext cx="2276793" cy="1571844"/>
+          </a:xfrm>
+          <a:prstGeom prst="rect">
+            <a:avLst/>
+          </a:prstGeom>
+        </p:spPr>
+      </p:pic>
+      <p:pic>
+        <p:nvPicPr>
+          <p:cNvPr id="12" name="Obrázok 11">
+            <a:extLst>
+              <a:ext uri="{FF2B5EF4-FFF2-40B4-BE49-F238E27FC236}">
+                <a16:creationId xmlns:a16="http://schemas.microsoft.com/office/drawing/2014/main" id="{C6699298-10DE-47BA-837A-5E5B958EFD38}"/>
+              </a:ext>
+            </a:extLst>
+          </p:cNvPr>
+          <p:cNvPicPr>
+            <a:picLocks noChangeAspect="1"/>
+          </p:cNvPicPr>
+          <p:nvPr/>
+        </p:nvPicPr>
+        <p:blipFill>
+          <a:blip r:embed="rId5"/>
+          <a:stretch>
+            <a:fillRect/>
+          </a:stretch>
+        </p:blipFill>
+        <p:spPr>
+          <a:xfrm>
+            <a:off x="998313" y="3825600"/>
+            <a:ext cx="4646456" cy="643918"/>
           </a:xfrm>
           <a:prstGeom prst="rect">
             <a:avLst/>
@@ -8619,17 +8603,7 @@
                 <a:latin typeface="Arial" panose="020B0604020202020204" pitchFamily="34" charset="0"/>
                 <a:cs typeface="Arial" panose="020B0604020202020204" pitchFamily="34" charset="0"/>
               </a:rPr>
-              <a:t>Úprava </a:t>
-            </a:r>
-            <a:r>
-              <a:rPr lang="sk-SK" b="1" dirty="0" err="1">
-                <a:solidFill>
-                  <a:schemeClr val="tx1"/>
-                </a:solidFill>
-                <a:latin typeface="Arial" panose="020B0604020202020204" pitchFamily="34" charset="0"/>
-                <a:cs typeface="Arial" panose="020B0604020202020204" pitchFamily="34" charset="0"/>
-              </a:rPr>
-              <a:t>datasetu</a:t>
+              <a:t>Úprava datasetu</a:t>
             </a:r>
             <a:endParaRPr lang="sk-SK" dirty="0"/>
           </a:p>
@@ -9252,12 +9226,7 @@
             <p:ph type="title"/>
           </p:nvPr>
         </p:nvSpPr>
-        <p:spPr>
-          <a:xfrm>
-            <a:off x="677334" y="609600"/>
-            <a:ext cx="8596668" cy="755594"/>
-          </a:xfrm>
-        </p:spPr>
+        <p:spPr/>
         <p:txBody>
           <a:bodyPr/>
           <a:lstStyle/>
@@ -9279,10 +9248,126 @@
       </p:sp>
       <p:sp>
         <p:nvSpPr>
+          <p:cNvPr id="3" name="Zástupný objekt pre obsah 2">
+            <a:extLst>
+              <a:ext uri="{FF2B5EF4-FFF2-40B4-BE49-F238E27FC236}">
+                <a16:creationId xmlns:a16="http://schemas.microsoft.com/office/drawing/2014/main" id="{4F4E38FC-45EE-42C7-B17F-E21875E03BB7}"/>
+              </a:ext>
+            </a:extLst>
+          </p:cNvPr>
+          <p:cNvSpPr>
+            <a:spLocks noGrp="1"/>
+          </p:cNvSpPr>
+          <p:nvPr>
+            <p:ph idx="1"/>
+          </p:nvPr>
+        </p:nvSpPr>
+        <p:spPr>
+          <a:xfrm>
+            <a:off x="677334" y="2160589"/>
+            <a:ext cx="8960442" cy="3880773"/>
+          </a:xfrm>
+        </p:spPr>
+        <p:txBody>
+          <a:bodyPr>
+            <a:normAutofit/>
+          </a:bodyPr>
+          <a:lstStyle/>
+          <a:p>
+            <a:pPr marL="0" indent="-432000">
+              <a:buClrTx/>
+              <a:buFont typeface="Wingdings" panose="05000000000000000000" pitchFamily="2" charset="2"/>
+              <a:buChar char="§"/>
+            </a:pPr>
+            <a:r>
+              <a:rPr lang="sk-SK" sz="2500" dirty="0">
+                <a:solidFill>
+                  <a:schemeClr val="tx1"/>
+                </a:solidFill>
+                <a:latin typeface="Arial" panose="020B0604020202020204" pitchFamily="34" charset="0"/>
+                <a:cs typeface="Arial" panose="020B0604020202020204" pitchFamily="34" charset="0"/>
+              </a:rPr>
+              <a:t>knižnica seaborn.</a:t>
+            </a:r>
+          </a:p>
+          <a:p>
+            <a:pPr marL="0" indent="-432000">
+              <a:buClrTx/>
+              <a:buFont typeface="Wingdings" panose="05000000000000000000" pitchFamily="2" charset="2"/>
+              <a:buChar char="§"/>
+            </a:pPr>
+            <a:endParaRPr lang="sk-SK" dirty="0">
+              <a:solidFill>
+                <a:schemeClr val="tx1"/>
+              </a:solidFill>
+              <a:latin typeface="Arial" panose="020B0604020202020204" pitchFamily="34" charset="0"/>
+              <a:cs typeface="Arial" panose="020B0604020202020204" pitchFamily="34" charset="0"/>
+            </a:endParaRPr>
+          </a:p>
+          <a:p>
+            <a:pPr marL="0" indent="-432000" algn="just">
+              <a:buClrTx/>
+              <a:buFont typeface="Wingdings" panose="05000000000000000000" pitchFamily="2" charset="2"/>
+              <a:buChar char="§"/>
+            </a:pPr>
+            <a:endParaRPr lang="sk-SK" dirty="0">
+              <a:solidFill>
+                <a:schemeClr val="tx1"/>
+              </a:solidFill>
+              <a:latin typeface="Arial" panose="020B0604020202020204" pitchFamily="34" charset="0"/>
+              <a:cs typeface="Arial" panose="020B0604020202020204" pitchFamily="34" charset="0"/>
+            </a:endParaRPr>
+          </a:p>
+          <a:p>
+            <a:pPr marL="0" indent="-432000" algn="just">
+              <a:buClrTx/>
+              <a:buFont typeface="Wingdings" panose="05000000000000000000" pitchFamily="2" charset="2"/>
+              <a:buChar char="§"/>
+            </a:pPr>
+            <a:endParaRPr lang="sk-SK" dirty="0">
+              <a:solidFill>
+                <a:schemeClr val="tx1"/>
+              </a:solidFill>
+              <a:latin typeface="Arial" panose="020B0604020202020204" pitchFamily="34" charset="0"/>
+              <a:cs typeface="Arial" panose="020B0604020202020204" pitchFamily="34" charset="0"/>
+            </a:endParaRPr>
+          </a:p>
+          <a:p>
+            <a:pPr marL="0" indent="-432000" algn="just">
+              <a:buClrTx/>
+              <a:buFont typeface="Wingdings" panose="05000000000000000000" pitchFamily="2" charset="2"/>
+              <a:buChar char="§"/>
+            </a:pPr>
+            <a:endParaRPr lang="sk-SK" dirty="0">
+              <a:solidFill>
+                <a:schemeClr val="tx1"/>
+              </a:solidFill>
+              <a:latin typeface="Arial" panose="020B0604020202020204" pitchFamily="34" charset="0"/>
+              <a:cs typeface="Arial" panose="020B0604020202020204" pitchFamily="34" charset="0"/>
+            </a:endParaRPr>
+          </a:p>
+          <a:p>
+            <a:pPr marL="0" indent="-432000" algn="just">
+              <a:buClrTx/>
+              <a:buFont typeface="Wingdings" panose="05000000000000000000" pitchFamily="2" charset="2"/>
+              <a:buChar char="§"/>
+            </a:pPr>
+            <a:endParaRPr lang="sk-SK" dirty="0">
+              <a:solidFill>
+                <a:schemeClr val="tx1"/>
+              </a:solidFill>
+              <a:latin typeface="Arial" panose="020B0604020202020204" pitchFamily="34" charset="0"/>
+              <a:cs typeface="Arial" panose="020B0604020202020204" pitchFamily="34" charset="0"/>
+            </a:endParaRPr>
+          </a:p>
+        </p:txBody>
+      </p:sp>
+      <p:sp>
+        <p:nvSpPr>
           <p:cNvPr id="4" name="Zástupný objekt pre číslo snímky 3">
             <a:extLst>
               <a:ext uri="{FF2B5EF4-FFF2-40B4-BE49-F238E27FC236}">
-                <a16:creationId xmlns:a16="http://schemas.microsoft.com/office/drawing/2014/main" id="{993C8A47-E395-4E57-80D4-471B76FE4E46}"/>
+                <a16:creationId xmlns:a16="http://schemas.microsoft.com/office/drawing/2014/main" id="{F5050759-C981-4EF5-A75C-DB526F213DC9}"/>
               </a:ext>
             </a:extLst>
           </p:cNvPr>
@@ -9314,10 +9399,10 @@
       </p:sp>
       <p:pic>
         <p:nvPicPr>
-          <p:cNvPr id="6" name="Obrázok 5">
+          <p:cNvPr id="10" name="Obrázok 9">
             <a:extLst>
               <a:ext uri="{FF2B5EF4-FFF2-40B4-BE49-F238E27FC236}">
-                <a16:creationId xmlns:a16="http://schemas.microsoft.com/office/drawing/2014/main" id="{CF03503F-7E19-419C-B461-2CAFD81A4DA9}"/>
+                <a16:creationId xmlns:a16="http://schemas.microsoft.com/office/drawing/2014/main" id="{28F6CDD2-2CA2-4B60-9E43-575076A37FB5}"/>
               </a:ext>
             </a:extLst>
           </p:cNvPr>
@@ -9334,7 +9419,7 @@
         </p:blipFill>
         <p:spPr>
           <a:xfrm>
-            <a:off x="741449" y="1769706"/>
+            <a:off x="929003" y="2722775"/>
             <a:ext cx="3572006" cy="3318587"/>
           </a:xfrm>
           <a:prstGeom prst="rect">
@@ -9347,7 +9432,7 @@
           <p:cNvPr id="11" name="Obrázok 10">
             <a:extLst>
               <a:ext uri="{FF2B5EF4-FFF2-40B4-BE49-F238E27FC236}">
-                <a16:creationId xmlns:a16="http://schemas.microsoft.com/office/drawing/2014/main" id="{F15500CF-FF41-4435-8F5A-06574FA282CD}"/>
+                <a16:creationId xmlns:a16="http://schemas.microsoft.com/office/drawing/2014/main" id="{C3799538-E81D-43D9-BD2D-8E4327FD35E1}"/>
               </a:ext>
             </a:extLst>
           </p:cNvPr>
@@ -9364,8 +9449,8 @@
         </p:blipFill>
         <p:spPr>
           <a:xfrm>
-            <a:off x="4856342" y="1457091"/>
-            <a:ext cx="3734321" cy="2476846"/>
+            <a:off x="6080085" y="4888676"/>
+            <a:ext cx="1952898" cy="1152686"/>
           </a:xfrm>
           <a:prstGeom prst="rect">
             <a:avLst/>
@@ -9374,10 +9459,10 @@
       </p:pic>
       <p:pic>
         <p:nvPicPr>
-          <p:cNvPr id="19" name="Obrázok 18">
+          <p:cNvPr id="12" name="Obrázok 11">
             <a:extLst>
               <a:ext uri="{FF2B5EF4-FFF2-40B4-BE49-F238E27FC236}">
-                <a16:creationId xmlns:a16="http://schemas.microsoft.com/office/drawing/2014/main" id="{2229D05A-2F62-49C7-8C52-965B787C7795}"/>
+                <a16:creationId xmlns:a16="http://schemas.microsoft.com/office/drawing/2014/main" id="{FB24F7BE-9BC1-482E-AAE6-FC6D1D665FFB}"/>
               </a:ext>
             </a:extLst>
           </p:cNvPr>
@@ -9394,8 +9479,8 @@
         </p:blipFill>
         <p:spPr>
           <a:xfrm>
-            <a:off x="5747053" y="4248223"/>
-            <a:ext cx="1952898" cy="1152686"/>
+            <a:off x="4975668" y="2286210"/>
+            <a:ext cx="3734321" cy="2476846"/>
           </a:xfrm>
           <a:prstGeom prst="rect">
             <a:avLst/>
@@ -9405,7 +9490,7 @@
     </p:spTree>
     <p:extLst>
       <p:ext uri="{BB962C8B-B14F-4D97-AF65-F5344CB8AC3E}">
-        <p14:creationId xmlns:p14="http://schemas.microsoft.com/office/powerpoint/2010/main" val="153015052"/>
+        <p14:creationId xmlns:p14="http://schemas.microsoft.com/office/powerpoint/2010/main" val="220251823"/>
       </p:ext>
     </p:extLst>
   </p:cSld>
@@ -9465,7 +9550,7 @@
                 <a:latin typeface="Arial" panose="020B0604020202020204" pitchFamily="34" charset="0"/>
                 <a:cs typeface="Arial" panose="020B0604020202020204" pitchFamily="34" charset="0"/>
               </a:rPr>
-              <a:t>Predpríprava dát</a:t>
+              <a:t>Práca s datasetom</a:t>
             </a:r>
             <a:endParaRPr lang="sk-SK" dirty="0"/>
           </a:p>
@@ -9529,7 +9614,7 @@
                 <a:latin typeface="Arial" panose="020B0604020202020204" pitchFamily="34" charset="0"/>
                 <a:cs typeface="Arial" panose="020B0604020202020204" pitchFamily="34" charset="0"/>
               </a:rPr>
-              <a:t>prekonvertovanie výstupných údajov „y“</a:t>
+              <a:t>prekonvertovanie výstupných údajov „y“.</a:t>
             </a:r>
           </a:p>
           <a:p>
@@ -9675,7 +9760,7 @@
         </p:blipFill>
         <p:spPr>
           <a:xfrm>
-            <a:off x="797227" y="3278640"/>
+            <a:off x="897895" y="4267316"/>
             <a:ext cx="3962953" cy="390580"/>
           </a:xfrm>
           <a:prstGeom prst="rect">
@@ -9705,68 +9790,8 @@
         </p:blipFill>
         <p:spPr>
           <a:xfrm>
-            <a:off x="5250753" y="3429000"/>
+            <a:off x="5227869" y="3429000"/>
             <a:ext cx="3362794" cy="2067213"/>
-          </a:xfrm>
-          <a:prstGeom prst="rect">
-            <a:avLst/>
-          </a:prstGeom>
-        </p:spPr>
-      </p:pic>
-      <p:pic>
-        <p:nvPicPr>
-          <p:cNvPr id="13" name="Obrázok 12">
-            <a:extLst>
-              <a:ext uri="{FF2B5EF4-FFF2-40B4-BE49-F238E27FC236}">
-                <a16:creationId xmlns:a16="http://schemas.microsoft.com/office/drawing/2014/main" id="{AE6A04AC-82CC-43ED-B0AC-253BED6BAAF9}"/>
-              </a:ext>
-            </a:extLst>
-          </p:cNvPr>
-          <p:cNvPicPr>
-            <a:picLocks noChangeAspect="1"/>
-          </p:cNvPicPr>
-          <p:nvPr/>
-        </p:nvPicPr>
-        <p:blipFill>
-          <a:blip r:embed="rId4"/>
-          <a:stretch>
-            <a:fillRect/>
-          </a:stretch>
-        </p:blipFill>
-        <p:spPr>
-          <a:xfrm>
-            <a:off x="1284363" y="3945472"/>
-            <a:ext cx="2257740" cy="543001"/>
-          </a:xfrm>
-          <a:prstGeom prst="rect">
-            <a:avLst/>
-          </a:prstGeom>
-        </p:spPr>
-      </p:pic>
-      <p:pic>
-        <p:nvPicPr>
-          <p:cNvPr id="17" name="Obrázok 16">
-            <a:extLst>
-              <a:ext uri="{FF2B5EF4-FFF2-40B4-BE49-F238E27FC236}">
-                <a16:creationId xmlns:a16="http://schemas.microsoft.com/office/drawing/2014/main" id="{2DAACA2F-C63B-44AC-B123-FCA9358AFA54}"/>
-              </a:ext>
-            </a:extLst>
-          </p:cNvPr>
-          <p:cNvPicPr>
-            <a:picLocks noChangeAspect="1"/>
-          </p:cNvPicPr>
-          <p:nvPr/>
-        </p:nvPicPr>
-        <p:blipFill>
-          <a:blip r:embed="rId5"/>
-          <a:stretch>
-            <a:fillRect/>
-          </a:stretch>
-        </p:blipFill>
-        <p:spPr>
-          <a:xfrm>
-            <a:off x="1284363" y="4790781"/>
-            <a:ext cx="2286319" cy="581106"/>
           </a:xfrm>
           <a:prstGeom prst="rect">
             <a:avLst/>
@@ -9836,7 +9861,7 @@
                 <a:latin typeface="Arial" panose="020B0604020202020204" pitchFamily="34" charset="0"/>
                 <a:cs typeface="Arial" panose="020B0604020202020204" pitchFamily="34" charset="0"/>
               </a:rPr>
-              <a:t>Predpríprava dát</a:t>
+              <a:t>Práca s datasetom</a:t>
             </a:r>
             <a:endParaRPr lang="sk-SK" dirty="0"/>
           </a:p>
@@ -9883,27 +9908,7 @@
                 <a:latin typeface="Arial" panose="020B0604020202020204" pitchFamily="34" charset="0"/>
                 <a:cs typeface="Arial" panose="020B0604020202020204" pitchFamily="34" charset="0"/>
               </a:rPr>
-              <a:t>rozdelenie dát na </a:t>
-            </a:r>
-            <a:r>
-              <a:rPr lang="sk-SK" sz="2500" dirty="0" err="1">
-                <a:solidFill>
-                  <a:schemeClr val="tx1"/>
-                </a:solidFill>
-                <a:latin typeface="Arial" panose="020B0604020202020204" pitchFamily="34" charset="0"/>
-                <a:cs typeface="Arial" panose="020B0604020202020204" pitchFamily="34" charset="0"/>
-              </a:rPr>
-              <a:t>trénovacie</a:t>
-            </a:r>
-            <a:r>
-              <a:rPr lang="sk-SK" sz="2500" dirty="0">
-                <a:solidFill>
-                  <a:schemeClr val="tx1"/>
-                </a:solidFill>
-                <a:latin typeface="Arial" panose="020B0604020202020204" pitchFamily="34" charset="0"/>
-                <a:cs typeface="Arial" panose="020B0604020202020204" pitchFamily="34" charset="0"/>
-              </a:rPr>
-              <a:t> a testovacie.</a:t>
+              <a:t>rozdelenie dát na trénovacie a testovacie.</a:t>
             </a:r>
           </a:p>
           <a:p>
@@ -10106,17 +10111,7 @@
                 <a:latin typeface="Arial" panose="020B0604020202020204" pitchFamily="34" charset="0"/>
                 <a:cs typeface="Arial" panose="020B0604020202020204" pitchFamily="34" charset="0"/>
               </a:rPr>
-              <a:t>Vytvorenie a trénovanie modelu  </a:t>
-            </a:r>
-            <a:r>
-              <a:rPr lang="sk-SK" b="1" dirty="0" err="1">
-                <a:solidFill>
-                  <a:schemeClr val="tx1"/>
-                </a:solidFill>
-                <a:latin typeface="Arial" panose="020B0604020202020204" pitchFamily="34" charset="0"/>
-                <a:cs typeface="Arial" panose="020B0604020202020204" pitchFamily="34" charset="0"/>
-              </a:rPr>
-              <a:t>Keras</a:t>
+              <a:t>Vytvorenie a trénovanie modelu  Keras</a:t>
             </a:r>
             <a:endParaRPr lang="sk-SK" dirty="0"/>
           </a:p>
@@ -10311,7 +10306,7 @@
         </p:blipFill>
         <p:spPr>
           <a:xfrm>
-            <a:off x="1014225" y="4645494"/>
+            <a:off x="832338" y="5006114"/>
             <a:ext cx="8286660" cy="209579"/>
           </a:xfrm>
           <a:prstGeom prst="rect">
@@ -10341,7 +10336,7 @@
         </p:blipFill>
         <p:spPr>
           <a:xfrm>
-            <a:off x="1656629" y="3395988"/>
+            <a:off x="1336189" y="3546840"/>
             <a:ext cx="7001852" cy="1019317"/>
           </a:xfrm>
           <a:prstGeom prst="rect">
@@ -10351,10 +10346,10 @@
       </p:pic>
       <p:pic>
         <p:nvPicPr>
-          <p:cNvPr id="9" name="Obrázok 8">
+          <p:cNvPr id="6" name="Obrázok 5">
             <a:extLst>
               <a:ext uri="{FF2B5EF4-FFF2-40B4-BE49-F238E27FC236}">
-                <a16:creationId xmlns:a16="http://schemas.microsoft.com/office/drawing/2014/main" id="{D2991685-861D-4FEF-9EB2-8284FBCD4451}"/>
+                <a16:creationId xmlns:a16="http://schemas.microsoft.com/office/drawing/2014/main" id="{8A01E17C-A4A2-4F06-872F-E802AC01DB8B}"/>
               </a:ext>
             </a:extLst>
           </p:cNvPr>
@@ -10371,8 +10366,8 @@
         </p:blipFill>
         <p:spPr>
           <a:xfrm>
-            <a:off x="4975668" y="2396376"/>
-            <a:ext cx="2715004" cy="504895"/>
+            <a:off x="4837115" y="2441700"/>
+            <a:ext cx="3943900" cy="523948"/>
           </a:xfrm>
           <a:prstGeom prst="rect">
             <a:avLst/>
